--- a/combined_updated_presentation.pptx
+++ b/combined_updated_presentation.pptx
@@ -175,7 +175,7 @@
               <c:strCache>
                 <c:ptCount val="1"/>
                 <c:pt idx="0">
-                  <c:v>Series 1</c:v>
+                  <c:v>KURAMI</c:v>
                 </c:pt>
               </c:strCache>
             </c:strRef>
@@ -196,7 +196,7 @@
               <c:strCache>
                 <c:ptCount val="4"/>
                 <c:pt idx="0">
-                  <c:v>Category 1</c:v>
+                  <c:v>KURA MI</c:v>
                 </c:pt>
                 <c:pt idx="1">
                   <c:v>Category 2</c:v>
@@ -217,16 +217,16 @@
                 <c:formatCode>General</c:formatCode>
                 <c:ptCount val="4"/>
                 <c:pt idx="0">
-                  <c:v>10</c:v>
+                  <c:v>20.0</c:v>
                 </c:pt>
                 <c:pt idx="1">
-                  <c:v>10</c:v>
+                  <c:v>10.0</c:v>
                 </c:pt>
                 <c:pt idx="2">
-                  <c:v>10</c:v>
+                  <c:v>5.0</c:v>
                 </c:pt>
                 <c:pt idx="3">
-                  <c:v>10</c:v>
+                  <c:v>12.0</c:v>
                 </c:pt>
               </c:numCache>
             </c:numRef>
@@ -246,7 +246,7 @@
               <c:strCache>
                 <c:ptCount val="1"/>
                 <c:pt idx="0">
-                  <c:v>Series 2</c:v>
+                  <c:v>GOLQM</c:v>
                 </c:pt>
               </c:strCache>
             </c:strRef>
@@ -267,7 +267,7 @@
               <c:strCache>
                 <c:ptCount val="4"/>
                 <c:pt idx="0">
-                  <c:v>Category 1</c:v>
+                  <c:v>KURA MI</c:v>
                 </c:pt>
                 <c:pt idx="1">
                   <c:v>Category 2</c:v>
@@ -288,16 +288,16 @@
                 <c:formatCode>General</c:formatCode>
                 <c:ptCount val="4"/>
                 <c:pt idx="0">
-                  <c:v>10</c:v>
+                  <c:v>10.0</c:v>
                 </c:pt>
                 <c:pt idx="1">
-                  <c:v>10</c:v>
+                  <c:v>15.0</c:v>
                 </c:pt>
                 <c:pt idx="2">
-                  <c:v>10</c:v>
+                  <c:v>10.0</c:v>
                 </c:pt>
                 <c:pt idx="3">
-                  <c:v>10</c:v>
+                  <c:v>18.0</c:v>
                 </c:pt>
               </c:numCache>
             </c:numRef>
@@ -317,7 +317,7 @@
               <c:strCache>
                 <c:ptCount val="1"/>
                 <c:pt idx="0">
-                  <c:v>Series 3</c:v>
+                  <c:v>KOR</c:v>
                 </c:pt>
               </c:strCache>
             </c:strRef>
@@ -338,7 +338,7 @@
               <c:strCache>
                 <c:ptCount val="4"/>
                 <c:pt idx="0">
-                  <c:v>Category 1</c:v>
+                  <c:v>KURA MI</c:v>
                 </c:pt>
                 <c:pt idx="1">
                   <c:v>Category 2</c:v>
@@ -359,16 +359,16 @@
                 <c:formatCode>General</c:formatCode>
                 <c:ptCount val="4"/>
                 <c:pt idx="0">
-                  <c:v>10</c:v>
+                  <c:v>5.0</c:v>
                 </c:pt>
                 <c:pt idx="1">
-                  <c:v>10</c:v>
+                  <c:v>20.0</c:v>
                 </c:pt>
                 <c:pt idx="2">
-                  <c:v>10</c:v>
+                  <c:v>15.0</c:v>
                 </c:pt>
                 <c:pt idx="3">
-                  <c:v>10</c:v>
+                  <c:v>24.0</c:v>
                 </c:pt>
               </c:numCache>
             </c:numRef>

--- a/combined_updated_presentation.pptx
+++ b/combined_updated_presentation.pptx
@@ -129,6 +129,17 @@
   </mc:AlternateContent>
   <c:chart>
     <c:title>
+      <c:tx>
+        <c:rich>
+          <a:bodyPr/>
+          <a:lstStyle/>
+          <a:p>
+            <a:r>
+              <a:t>Your New Chart Title</a:t>
+            </a:r>
+          </a:p>
+        </c:rich>
+      </c:tx>
       <c:layout/>
       <c:overlay val="0"/>
       <c:spPr>

--- a/combined_updated_presentation.pptx
+++ b/combined_updated_presentation.pptx
@@ -186,7 +186,7 @@
               <c:strCache>
                 <c:ptCount val="1"/>
                 <c:pt idx="0">
-                  <c:v>KURAMI</c:v>
+                  <c:v>SOMETHING</c:v>
                 </c:pt>
               </c:strCache>
             </c:strRef>
@@ -207,7 +207,7 @@
               <c:strCache>
                 <c:ptCount val="4"/>
                 <c:pt idx="0">
-                  <c:v>KURA MI</c:v>
+                  <c:v>Hello</c:v>
                 </c:pt>
                 <c:pt idx="1">
                   <c:v>Category 2</c:v>
@@ -257,7 +257,7 @@
               <c:strCache>
                 <c:ptCount val="1"/>
                 <c:pt idx="0">
-                  <c:v>GOLQM</c:v>
+                  <c:v>OTHER</c:v>
                 </c:pt>
               </c:strCache>
             </c:strRef>
@@ -278,7 +278,7 @@
               <c:strCache>
                 <c:ptCount val="4"/>
                 <c:pt idx="0">
-                  <c:v>KURA MI</c:v>
+                  <c:v>Hello</c:v>
                 </c:pt>
                 <c:pt idx="1">
                   <c:v>Category 2</c:v>
@@ -328,7 +328,7 @@
               <c:strCache>
                 <c:ptCount val="1"/>
                 <c:pt idx="0">
-                  <c:v>KOR</c:v>
+                  <c:v>NOTHING</c:v>
                 </c:pt>
               </c:strCache>
             </c:strRef>
@@ -349,7 +349,7 @@
               <c:strCache>
                 <c:ptCount val="4"/>
                 <c:pt idx="0">
-                  <c:v>KURA MI</c:v>
+                  <c:v>Hello</c:v>
                 </c:pt>
                 <c:pt idx="1">
                   <c:v>Category 2</c:v>
@@ -4466,6 +4466,30 @@
           </a:p>
         </p:txBody>
       </p:sp>
+      <p:pic>
+        <p:nvPicPr>
+          <p:cNvPr id="5" name="Picture 4" descr="download.png"/>
+          <p:cNvPicPr>
+            <a:picLocks noChangeAspect="1"/>
+          </p:cNvPicPr>
+          <p:nvPr/>
+        </p:nvPicPr>
+        <p:blipFill>
+          <a:blip r:embed="rId2"/>
+          <a:stretch>
+            <a:fillRect/>
+          </a:stretch>
+        </p:blipFill>
+        <p:spPr>
+          <a:xfrm>
+            <a:off x="8534400" y="0"/>
+            <a:ext cx="3657600" cy="1828800"/>
+          </a:xfrm>
+          <a:prstGeom prst="rect">
+            <a:avLst/>
+          </a:prstGeom>
+        </p:spPr>
+      </p:pic>
     </p:spTree>
     <p:extLst>
       <p:ext uri="{BB962C8B-B14F-4D97-AF65-F5344CB8AC3E}">
@@ -8497,8 +8521,7 @@
               <a:buChar char="•"/>
             </a:pPr>
             <a:r>
-              <a:rPr lang="en-US" dirty="0"/>
-              <a:t>Item #1</a:t>
+              <a:t>Bullet Point 1</a:t>
             </a:r>
           </a:p>
           <a:p>
@@ -8507,8 +8530,7 @@
               <a:buChar char="•"/>
             </a:pPr>
             <a:r>
-              <a:rPr lang="en-US" dirty="0"/>
-              <a:t>Item #2</a:t>
+              <a:t>Bullet Point 2</a:t>
             </a:r>
           </a:p>
           <a:p>
@@ -8517,8 +8539,7 @@
               <a:buChar char="•"/>
             </a:pPr>
             <a:r>
-              <a:rPr lang="en-US" dirty="0"/>
-              <a:t>Item #3</a:t>
+              <a:t>Bullet Point 3</a:t>
             </a:r>
           </a:p>
         </p:txBody>
